--- a/docs/Daisy_Presentation.pptx
+++ b/docs/Daisy_Presentation.pptx
@@ -7,6 +7,11 @@
   <p:sldIdLst>
     <p:sldId id="256" r:id="rId2"/>
     <p:sldId id="257" r:id="rId3"/>
+    <p:sldId id="258" r:id="rId4"/>
+    <p:sldId id="262" r:id="rId5"/>
+    <p:sldId id="259" r:id="rId6"/>
+    <p:sldId id="260" r:id="rId7"/>
+    <p:sldId id="261" r:id="rId8"/>
   </p:sldIdLst>
   <p:sldSz cx="12192000" cy="6858000"/>
   <p:notesSz cx="6858000" cy="9144000"/>
@@ -105,6 +110,11 @@
       </a:defRPr>
     </a:lvl9pPr>
   </p:defaultTextStyle>
+  <p:extLst>
+    <p:ext uri="{EFAFB233-063F-42B5-8137-9DF3F51BA10A}">
+      <p15:sldGuideLst xmlns:p15="http://schemas.microsoft.com/office/powerpoint/2012/main"/>
+    </p:ext>
+  </p:extLst>
 </p:presentation>
 </file>
 
@@ -294,7 +304,7 @@
           <a:p>
             <a:fld id="{4AAD347D-5ACD-4C99-B74B-A9C85AD731AF}" type="datetimeFigureOut">
               <a:rPr lang="en-US" dirty="0"/>
-              <a:t>1/26/20</a:t>
+              <a:t>1/26/2020</a:t>
             </a:fld>
             <a:endParaRPr lang="en-US" dirty="0"/>
           </a:p>
@@ -564,7 +574,7 @@
           <a:p>
             <a:fld id="{4509A250-FF31-4206-8172-F9D3106AACB1}" type="datetimeFigureOut">
               <a:rPr lang="en-US" dirty="0"/>
-              <a:t>1/26/20</a:t>
+              <a:t>1/26/2020</a:t>
             </a:fld>
             <a:endParaRPr lang="en-US" dirty="0"/>
           </a:p>
@@ -753,7 +763,7 @@
           <a:p>
             <a:fld id="{4509A250-FF31-4206-8172-F9D3106AACB1}" type="datetimeFigureOut">
               <a:rPr lang="en-US" dirty="0"/>
-              <a:t>1/26/20</a:t>
+              <a:t>1/26/2020</a:t>
             </a:fld>
             <a:endParaRPr lang="en-US" dirty="0"/>
           </a:p>
@@ -1021,7 +1031,7 @@
           <a:p>
             <a:fld id="{4509A250-FF31-4206-8172-F9D3106AACB1}" type="datetimeFigureOut">
               <a:rPr lang="en-US" dirty="0"/>
-              <a:t>1/26/20</a:t>
+              <a:t>1/26/2020</a:t>
             </a:fld>
             <a:endParaRPr lang="en-US" dirty="0"/>
           </a:p>
@@ -1357,7 +1367,7 @@
           <a:p>
             <a:fld id="{4509A250-FF31-4206-8172-F9D3106AACB1}" type="datetimeFigureOut">
               <a:rPr lang="en-US" dirty="0"/>
-              <a:t>1/26/20</a:t>
+              <a:t>1/26/2020</a:t>
             </a:fld>
             <a:endParaRPr lang="en-US" dirty="0"/>
           </a:p>
@@ -1975,7 +1985,7 @@
           <a:p>
             <a:fld id="{4509A250-FF31-4206-8172-F9D3106AACB1}" type="datetimeFigureOut">
               <a:rPr lang="en-US" dirty="0"/>
-              <a:t>1/26/20</a:t>
+              <a:t>1/26/2020</a:t>
             </a:fld>
             <a:endParaRPr lang="en-US" dirty="0"/>
           </a:p>
@@ -2830,7 +2840,7 @@
           <a:p>
             <a:fld id="{4509A250-FF31-4206-8172-F9D3106AACB1}" type="datetimeFigureOut">
               <a:rPr lang="en-US" dirty="0"/>
-              <a:t>1/26/20</a:t>
+              <a:t>1/26/2020</a:t>
             </a:fld>
             <a:endParaRPr lang="en-US" dirty="0"/>
           </a:p>
@@ -2995,7 +3005,7 @@
           <a:p>
             <a:fld id="{4509A250-FF31-4206-8172-F9D3106AACB1}" type="datetimeFigureOut">
               <a:rPr lang="en-US" dirty="0"/>
-              <a:t>1/26/20</a:t>
+              <a:t>1/26/2020</a:t>
             </a:fld>
             <a:endParaRPr lang="en-US" dirty="0"/>
           </a:p>
@@ -3170,7 +3180,7 @@
           <a:p>
             <a:fld id="{4509A250-FF31-4206-8172-F9D3106AACB1}" type="datetimeFigureOut">
               <a:rPr lang="en-US" dirty="0"/>
-              <a:t>1/26/20</a:t>
+              <a:t>1/26/2020</a:t>
             </a:fld>
             <a:endParaRPr lang="en-US" dirty="0"/>
           </a:p>
@@ -3335,7 +3345,7 @@
           <a:p>
             <a:fld id="{4509A250-FF31-4206-8172-F9D3106AACB1}" type="datetimeFigureOut">
               <a:rPr lang="en-US" dirty="0"/>
-              <a:t>1/26/20</a:t>
+              <a:t>1/26/2020</a:t>
             </a:fld>
             <a:endParaRPr lang="en-US" dirty="0"/>
           </a:p>
@@ -3577,7 +3587,7 @@
           <a:p>
             <a:fld id="{9796027F-7875-4030-9381-8BD8C4F21935}" type="datetimeFigureOut">
               <a:rPr lang="en-US" dirty="0"/>
-              <a:t>1/26/20</a:t>
+              <a:t>1/26/2020</a:t>
             </a:fld>
             <a:endParaRPr lang="en-US" dirty="0"/>
           </a:p>
@@ -3864,7 +3874,7 @@
           <a:p>
             <a:fld id="{9796027F-7875-4030-9381-8BD8C4F21935}" type="datetimeFigureOut">
               <a:rPr lang="en-US" dirty="0"/>
-              <a:t>1/26/20</a:t>
+              <a:t>1/26/2020</a:t>
             </a:fld>
             <a:endParaRPr lang="en-US" dirty="0"/>
           </a:p>
@@ -4303,7 +4313,7 @@
           <a:p>
             <a:fld id="{9796027F-7875-4030-9381-8BD8C4F21935}" type="datetimeFigureOut">
               <a:rPr lang="en-US" dirty="0"/>
-              <a:t>1/26/20</a:t>
+              <a:t>1/26/2020</a:t>
             </a:fld>
             <a:endParaRPr lang="en-US" dirty="0"/>
           </a:p>
@@ -4416,7 +4426,7 @@
           <a:p>
             <a:fld id="{4509A250-FF31-4206-8172-F9D3106AACB1}" type="datetimeFigureOut">
               <a:rPr lang="en-US" dirty="0"/>
-              <a:t>1/26/20</a:t>
+              <a:t>1/26/2020</a:t>
             </a:fld>
             <a:endParaRPr lang="en-US" dirty="0"/>
           </a:p>
@@ -4506,7 +4516,7 @@
           <a:p>
             <a:fld id="{4509A250-FF31-4206-8172-F9D3106AACB1}" type="datetimeFigureOut">
               <a:rPr lang="en-US" dirty="0"/>
-              <a:t>1/26/20</a:t>
+              <a:t>1/26/2020</a:t>
             </a:fld>
             <a:endParaRPr lang="en-US" dirty="0"/>
           </a:p>
@@ -4780,7 +4790,7 @@
           <a:p>
             <a:fld id="{4509A250-FF31-4206-8172-F9D3106AACB1}" type="datetimeFigureOut">
               <a:rPr lang="en-US" dirty="0"/>
-              <a:t>1/26/20</a:t>
+              <a:t>1/26/2020</a:t>
             </a:fld>
             <a:endParaRPr lang="en-US" dirty="0"/>
           </a:p>
@@ -5050,7 +5060,7 @@
           <a:p>
             <a:fld id="{4509A250-FF31-4206-8172-F9D3106AACB1}" type="datetimeFigureOut">
               <a:rPr lang="en-US" dirty="0"/>
-              <a:t>1/26/20</a:t>
+              <a:t>1/26/2020</a:t>
             </a:fld>
             <a:endParaRPr lang="en-US" dirty="0"/>
           </a:p>
@@ -5474,7 +5484,7 @@
           <a:p>
             <a:fld id="{4AAD347D-5ACD-4C99-B74B-A9C85AD731AF}" type="datetimeFigureOut">
               <a:rPr lang="en-US" dirty="0"/>
-              <a:t>1/26/20</a:t>
+              <a:t>1/26/2020</a:t>
             </a:fld>
             <a:endParaRPr lang="en-US" dirty="0"/>
           </a:p>
@@ -6219,6 +6229,516 @@
 </p:sld>
 </file>
 
+<file path=ppt/slides/slide3.xml><?xml version="1.0" encoding="utf-8"?>
+<p:sld xmlns:a="http://schemas.openxmlformats.org/drawingml/2006/main" xmlns:r="http://schemas.openxmlformats.org/officeDocument/2006/relationships" xmlns:p="http://schemas.openxmlformats.org/presentationml/2006/main">
+  <p:cSld>
+    <p:spTree>
+      <p:nvGrpSpPr>
+        <p:cNvPr id="1" name=""/>
+        <p:cNvGrpSpPr/>
+        <p:nvPr/>
+      </p:nvGrpSpPr>
+      <p:grpSpPr>
+        <a:xfrm>
+          <a:off x="0" y="0"/>
+          <a:ext cx="0" cy="0"/>
+          <a:chOff x="0" y="0"/>
+          <a:chExt cx="0" cy="0"/>
+        </a:xfrm>
+      </p:grpSpPr>
+      <p:sp>
+        <p:nvSpPr>
+          <p:cNvPr id="2" name="Title 1">
+            <a:extLst>
+              <a:ext uri="{FF2B5EF4-FFF2-40B4-BE49-F238E27FC236}">
+                <a16:creationId xmlns:a16="http://schemas.microsoft.com/office/drawing/2014/main" id="{78A12F33-194D-4501-8606-3E643A08DB71}"/>
+              </a:ext>
+            </a:extLst>
+          </p:cNvPr>
+          <p:cNvSpPr>
+            <a:spLocks noGrp="1"/>
+          </p:cNvSpPr>
+          <p:nvPr>
+            <p:ph type="title"/>
+          </p:nvPr>
+        </p:nvSpPr>
+        <p:spPr/>
+        <p:txBody>
+          <a:bodyPr/>
+          <a:lstStyle/>
+          <a:p>
+            <a:r>
+              <a:rPr lang="en-US" dirty="0"/>
+              <a:t>Strategy</a:t>
+            </a:r>
+          </a:p>
+        </p:txBody>
+      </p:sp>
+      <p:sp>
+        <p:nvSpPr>
+          <p:cNvPr id="3" name="Content Placeholder 2">
+            <a:extLst>
+              <a:ext uri="{FF2B5EF4-FFF2-40B4-BE49-F238E27FC236}">
+                <a16:creationId xmlns:a16="http://schemas.microsoft.com/office/drawing/2014/main" id="{65C5F9CF-498B-4159-A603-CE9E232BE91D}"/>
+              </a:ext>
+            </a:extLst>
+          </p:cNvPr>
+          <p:cNvSpPr>
+            <a:spLocks noGrp="1"/>
+          </p:cNvSpPr>
+          <p:nvPr>
+            <p:ph idx="1"/>
+          </p:nvPr>
+        </p:nvSpPr>
+        <p:spPr/>
+        <p:txBody>
+          <a:bodyPr/>
+          <a:lstStyle/>
+          <a:p>
+            <a:pPr marL="0" indent="0">
+              <a:buNone/>
+            </a:pPr>
+            <a:r>
+              <a:rPr lang="en-US" b="1" dirty="0"/>
+              <a:t>Main Steps:</a:t>
+            </a:r>
+          </a:p>
+          <a:p>
+            <a:pPr marL="457200" indent="-457200">
+              <a:buFont typeface="+mj-lt"/>
+              <a:buAutoNum type="arabicPeriod"/>
+            </a:pPr>
+            <a:r>
+              <a:rPr lang="en-US" b="1" dirty="0"/>
+              <a:t>Segmenting</a:t>
+            </a:r>
+            <a:r>
+              <a:rPr lang="en-US" dirty="0"/>
+              <a:t> the flyers into ad blocks.</a:t>
+            </a:r>
+          </a:p>
+          <a:p>
+            <a:pPr marL="457200" indent="-457200">
+              <a:buFont typeface="+mj-lt"/>
+              <a:buAutoNum type="arabicPeriod"/>
+            </a:pPr>
+            <a:r>
+              <a:rPr lang="en-US" dirty="0"/>
+              <a:t>Performing </a:t>
+            </a:r>
+            <a:r>
+              <a:rPr lang="en-US" b="1" dirty="0"/>
+              <a:t>Optical Character Recognition </a:t>
+            </a:r>
+            <a:r>
+              <a:rPr lang="en-US" dirty="0"/>
+              <a:t>(OCR)</a:t>
+            </a:r>
+          </a:p>
+          <a:p>
+            <a:pPr marL="457200" indent="-457200">
+              <a:buFont typeface="+mj-lt"/>
+              <a:buAutoNum type="arabicPeriod"/>
+            </a:pPr>
+            <a:r>
+              <a:rPr lang="en-US" b="1" dirty="0"/>
+              <a:t>Natural Language Processing </a:t>
+            </a:r>
+            <a:r>
+              <a:rPr lang="en-US" dirty="0"/>
+              <a:t>(NLP) to produce final CSV.</a:t>
+            </a:r>
+          </a:p>
+          <a:p>
+            <a:pPr marL="0" indent="0">
+              <a:buNone/>
+            </a:pPr>
+            <a:endParaRPr lang="en-US" dirty="0"/>
+          </a:p>
+          <a:p>
+            <a:pPr marL="0" indent="0">
+              <a:buNone/>
+            </a:pPr>
+            <a:r>
+              <a:rPr lang="en-US" b="1" dirty="0"/>
+              <a:t>Optimizing For:</a:t>
+            </a:r>
+          </a:p>
+          <a:p>
+            <a:r>
+              <a:rPr lang="en-US" dirty="0"/>
+              <a:t>Rapid prototyping (minimum viable product/agile development).</a:t>
+            </a:r>
+          </a:p>
+          <a:p>
+            <a:r>
+              <a:rPr lang="en-US" dirty="0"/>
+              <a:t>Modular &amp; interpretable design.</a:t>
+            </a:r>
+          </a:p>
+          <a:p>
+            <a:endParaRPr lang="en-US" dirty="0"/>
+          </a:p>
+          <a:p>
+            <a:endParaRPr lang="en-US" dirty="0"/>
+          </a:p>
+        </p:txBody>
+      </p:sp>
+    </p:spTree>
+    <p:extLst>
+      <p:ext uri="{BB962C8B-B14F-4D97-AF65-F5344CB8AC3E}">
+        <p14:creationId xmlns:p14="http://schemas.microsoft.com/office/powerpoint/2010/main" val="691828162"/>
+      </p:ext>
+    </p:extLst>
+  </p:cSld>
+  <p:clrMapOvr>
+    <a:masterClrMapping/>
+  </p:clrMapOvr>
+</p:sld>
+</file>
+
+<file path=ppt/slides/slide4.xml><?xml version="1.0" encoding="utf-8"?>
+<p:sld xmlns:a="http://schemas.openxmlformats.org/drawingml/2006/main" xmlns:r="http://schemas.openxmlformats.org/officeDocument/2006/relationships" xmlns:p="http://schemas.openxmlformats.org/presentationml/2006/main">
+  <p:cSld>
+    <p:spTree>
+      <p:nvGrpSpPr>
+        <p:cNvPr id="1" name=""/>
+        <p:cNvGrpSpPr/>
+        <p:nvPr/>
+      </p:nvGrpSpPr>
+      <p:grpSpPr>
+        <a:xfrm>
+          <a:off x="0" y="0"/>
+          <a:ext cx="0" cy="0"/>
+          <a:chOff x="0" y="0"/>
+          <a:chExt cx="0" cy="0"/>
+        </a:xfrm>
+      </p:grpSpPr>
+      <p:sp>
+        <p:nvSpPr>
+          <p:cNvPr id="2" name="Title 1">
+            <a:extLst>
+              <a:ext uri="{FF2B5EF4-FFF2-40B4-BE49-F238E27FC236}">
+                <a16:creationId xmlns:a16="http://schemas.microsoft.com/office/drawing/2014/main" id="{E60C78D3-2326-41BB-84C1-8B561C529EBA}"/>
+              </a:ext>
+            </a:extLst>
+          </p:cNvPr>
+          <p:cNvSpPr>
+            <a:spLocks noGrp="1"/>
+          </p:cNvSpPr>
+          <p:nvPr>
+            <p:ph type="title"/>
+          </p:nvPr>
+        </p:nvSpPr>
+        <p:spPr/>
+        <p:txBody>
+          <a:bodyPr/>
+          <a:lstStyle/>
+          <a:p>
+            <a:r>
+              <a:rPr lang="en-US" dirty="0"/>
+              <a:t>Segmenting</a:t>
+            </a:r>
+          </a:p>
+        </p:txBody>
+      </p:sp>
+      <p:sp>
+        <p:nvSpPr>
+          <p:cNvPr id="3" name="Content Placeholder 2">
+            <a:extLst>
+              <a:ext uri="{FF2B5EF4-FFF2-40B4-BE49-F238E27FC236}">
+                <a16:creationId xmlns:a16="http://schemas.microsoft.com/office/drawing/2014/main" id="{606B9E8D-2B8D-452D-8E39-11C975844261}"/>
+              </a:ext>
+            </a:extLst>
+          </p:cNvPr>
+          <p:cNvSpPr>
+            <a:spLocks noGrp="1"/>
+          </p:cNvSpPr>
+          <p:nvPr>
+            <p:ph idx="1"/>
+          </p:nvPr>
+        </p:nvSpPr>
+        <p:spPr/>
+        <p:txBody>
+          <a:bodyPr/>
+          <a:lstStyle/>
+          <a:p>
+            <a:endParaRPr lang="en-US"/>
+          </a:p>
+        </p:txBody>
+      </p:sp>
+    </p:spTree>
+    <p:extLst>
+      <p:ext uri="{BB962C8B-B14F-4D97-AF65-F5344CB8AC3E}">
+        <p14:creationId xmlns:p14="http://schemas.microsoft.com/office/powerpoint/2010/main" val="3321129418"/>
+      </p:ext>
+    </p:extLst>
+  </p:cSld>
+  <p:clrMapOvr>
+    <a:masterClrMapping/>
+  </p:clrMapOvr>
+</p:sld>
+</file>
+
+<file path=ppt/slides/slide5.xml><?xml version="1.0" encoding="utf-8"?>
+<p:sld xmlns:a="http://schemas.openxmlformats.org/drawingml/2006/main" xmlns:r="http://schemas.openxmlformats.org/officeDocument/2006/relationships" xmlns:p="http://schemas.openxmlformats.org/presentationml/2006/main">
+  <p:cSld>
+    <p:spTree>
+      <p:nvGrpSpPr>
+        <p:cNvPr id="1" name=""/>
+        <p:cNvGrpSpPr/>
+        <p:nvPr/>
+      </p:nvGrpSpPr>
+      <p:grpSpPr>
+        <a:xfrm>
+          <a:off x="0" y="0"/>
+          <a:ext cx="0" cy="0"/>
+          <a:chOff x="0" y="0"/>
+          <a:chExt cx="0" cy="0"/>
+        </a:xfrm>
+      </p:grpSpPr>
+      <p:sp>
+        <p:nvSpPr>
+          <p:cNvPr id="2" name="Title 1">
+            <a:extLst>
+              <a:ext uri="{FF2B5EF4-FFF2-40B4-BE49-F238E27FC236}">
+                <a16:creationId xmlns:a16="http://schemas.microsoft.com/office/drawing/2014/main" id="{C4FC67C1-E83A-4EF5-AC29-ABF76EF925F4}"/>
+              </a:ext>
+            </a:extLst>
+          </p:cNvPr>
+          <p:cNvSpPr>
+            <a:spLocks noGrp="1"/>
+          </p:cNvSpPr>
+          <p:nvPr>
+            <p:ph type="title"/>
+          </p:nvPr>
+        </p:nvSpPr>
+        <p:spPr/>
+        <p:txBody>
+          <a:bodyPr/>
+          <a:lstStyle/>
+          <a:p>
+            <a:r>
+              <a:rPr lang="en-US" dirty="0"/>
+              <a:t>OCR</a:t>
+            </a:r>
+          </a:p>
+        </p:txBody>
+      </p:sp>
+      <p:sp>
+        <p:nvSpPr>
+          <p:cNvPr id="3" name="Content Placeholder 2">
+            <a:extLst>
+              <a:ext uri="{FF2B5EF4-FFF2-40B4-BE49-F238E27FC236}">
+                <a16:creationId xmlns:a16="http://schemas.microsoft.com/office/drawing/2014/main" id="{84401EAB-CE88-40C1-8D53-4BC4BF5297B5}"/>
+              </a:ext>
+            </a:extLst>
+          </p:cNvPr>
+          <p:cNvSpPr>
+            <a:spLocks noGrp="1"/>
+          </p:cNvSpPr>
+          <p:nvPr>
+            <p:ph idx="1"/>
+          </p:nvPr>
+        </p:nvSpPr>
+        <p:spPr/>
+        <p:txBody>
+          <a:bodyPr/>
+          <a:lstStyle/>
+          <a:p>
+            <a:endParaRPr lang="en-US"/>
+          </a:p>
+        </p:txBody>
+      </p:sp>
+    </p:spTree>
+    <p:extLst>
+      <p:ext uri="{BB962C8B-B14F-4D97-AF65-F5344CB8AC3E}">
+        <p14:creationId xmlns:p14="http://schemas.microsoft.com/office/powerpoint/2010/main" val="3201638100"/>
+      </p:ext>
+    </p:extLst>
+  </p:cSld>
+  <p:clrMapOvr>
+    <a:masterClrMapping/>
+  </p:clrMapOvr>
+</p:sld>
+</file>
+
+<file path=ppt/slides/slide6.xml><?xml version="1.0" encoding="utf-8"?>
+<p:sld xmlns:a="http://schemas.openxmlformats.org/drawingml/2006/main" xmlns:r="http://schemas.openxmlformats.org/officeDocument/2006/relationships" xmlns:p="http://schemas.openxmlformats.org/presentationml/2006/main">
+  <p:cSld>
+    <p:spTree>
+      <p:nvGrpSpPr>
+        <p:cNvPr id="1" name=""/>
+        <p:cNvGrpSpPr/>
+        <p:nvPr/>
+      </p:nvGrpSpPr>
+      <p:grpSpPr>
+        <a:xfrm>
+          <a:off x="0" y="0"/>
+          <a:ext cx="0" cy="0"/>
+          <a:chOff x="0" y="0"/>
+          <a:chExt cx="0" cy="0"/>
+        </a:xfrm>
+      </p:grpSpPr>
+      <p:sp>
+        <p:nvSpPr>
+          <p:cNvPr id="2" name="Title 1">
+            <a:extLst>
+              <a:ext uri="{FF2B5EF4-FFF2-40B4-BE49-F238E27FC236}">
+                <a16:creationId xmlns:a16="http://schemas.microsoft.com/office/drawing/2014/main" id="{2E22C0C4-6890-4A59-909A-015A2BFD426B}"/>
+              </a:ext>
+            </a:extLst>
+          </p:cNvPr>
+          <p:cNvSpPr>
+            <a:spLocks noGrp="1"/>
+          </p:cNvSpPr>
+          <p:nvPr>
+            <p:ph type="title"/>
+          </p:nvPr>
+        </p:nvSpPr>
+        <p:spPr/>
+        <p:txBody>
+          <a:bodyPr/>
+          <a:lstStyle/>
+          <a:p>
+            <a:r>
+              <a:rPr lang="en-US" dirty="0"/>
+              <a:t>NLP</a:t>
+            </a:r>
+          </a:p>
+        </p:txBody>
+      </p:sp>
+      <p:sp>
+        <p:nvSpPr>
+          <p:cNvPr id="3" name="Content Placeholder 2">
+            <a:extLst>
+              <a:ext uri="{FF2B5EF4-FFF2-40B4-BE49-F238E27FC236}">
+                <a16:creationId xmlns:a16="http://schemas.microsoft.com/office/drawing/2014/main" id="{D753F777-6B33-4C5C-9B5C-5932D13D07AD}"/>
+              </a:ext>
+            </a:extLst>
+          </p:cNvPr>
+          <p:cNvSpPr>
+            <a:spLocks noGrp="1"/>
+          </p:cNvSpPr>
+          <p:nvPr>
+            <p:ph idx="1"/>
+          </p:nvPr>
+        </p:nvSpPr>
+        <p:spPr/>
+        <p:txBody>
+          <a:bodyPr/>
+          <a:lstStyle/>
+          <a:p>
+            <a:endParaRPr lang="en-US"/>
+          </a:p>
+        </p:txBody>
+      </p:sp>
+    </p:spTree>
+    <p:extLst>
+      <p:ext uri="{BB962C8B-B14F-4D97-AF65-F5344CB8AC3E}">
+        <p14:creationId xmlns:p14="http://schemas.microsoft.com/office/powerpoint/2010/main" val="451843837"/>
+      </p:ext>
+    </p:extLst>
+  </p:cSld>
+  <p:clrMapOvr>
+    <a:masterClrMapping/>
+  </p:clrMapOvr>
+</p:sld>
+</file>
+
+<file path=ppt/slides/slide7.xml><?xml version="1.0" encoding="utf-8"?>
+<p:sld xmlns:a="http://schemas.openxmlformats.org/drawingml/2006/main" xmlns:r="http://schemas.openxmlformats.org/officeDocument/2006/relationships" xmlns:p="http://schemas.openxmlformats.org/presentationml/2006/main">
+  <p:cSld>
+    <p:spTree>
+      <p:nvGrpSpPr>
+        <p:cNvPr id="1" name=""/>
+        <p:cNvGrpSpPr/>
+        <p:nvPr/>
+      </p:nvGrpSpPr>
+      <p:grpSpPr>
+        <a:xfrm>
+          <a:off x="0" y="0"/>
+          <a:ext cx="0" cy="0"/>
+          <a:chOff x="0" y="0"/>
+          <a:chExt cx="0" cy="0"/>
+        </a:xfrm>
+      </p:grpSpPr>
+      <p:sp>
+        <p:nvSpPr>
+          <p:cNvPr id="2" name="Title 1">
+            <a:extLst>
+              <a:ext uri="{FF2B5EF4-FFF2-40B4-BE49-F238E27FC236}">
+                <a16:creationId xmlns:a16="http://schemas.microsoft.com/office/drawing/2014/main" id="{1A1E1B18-46C6-444B-BD52-58D1B2356309}"/>
+              </a:ext>
+            </a:extLst>
+          </p:cNvPr>
+          <p:cNvSpPr>
+            <a:spLocks noGrp="1"/>
+          </p:cNvSpPr>
+          <p:nvPr>
+            <p:ph type="title"/>
+          </p:nvPr>
+        </p:nvSpPr>
+        <p:spPr/>
+        <p:txBody>
+          <a:bodyPr/>
+          <a:lstStyle/>
+          <a:p>
+            <a:r>
+              <a:rPr lang="en-US" dirty="0"/>
+              <a:t>The Final Product</a:t>
+            </a:r>
+          </a:p>
+        </p:txBody>
+      </p:sp>
+      <p:sp>
+        <p:nvSpPr>
+          <p:cNvPr id="3" name="Content Placeholder 2">
+            <a:extLst>
+              <a:ext uri="{FF2B5EF4-FFF2-40B4-BE49-F238E27FC236}">
+                <a16:creationId xmlns:a16="http://schemas.microsoft.com/office/drawing/2014/main" id="{36A1A9D9-3A94-4853-B057-D9C06ACA40AA}"/>
+              </a:ext>
+            </a:extLst>
+          </p:cNvPr>
+          <p:cNvSpPr>
+            <a:spLocks noGrp="1"/>
+          </p:cNvSpPr>
+          <p:nvPr>
+            <p:ph idx="1"/>
+          </p:nvPr>
+        </p:nvSpPr>
+        <p:spPr/>
+        <p:txBody>
+          <a:bodyPr/>
+          <a:lstStyle/>
+          <a:p>
+            <a:r>
+              <a:rPr lang="en-US" dirty="0"/>
+              <a:t>OCR feeds back into the </a:t>
+            </a:r>
+            <a:r>
+              <a:rPr lang="en-US"/>
+              <a:t>segmentation algorithm.</a:t>
+            </a:r>
+          </a:p>
+          <a:p>
+            <a:endParaRPr lang="en-US"/>
+          </a:p>
+        </p:txBody>
+      </p:sp>
+    </p:spTree>
+    <p:extLst>
+      <p:ext uri="{BB962C8B-B14F-4D97-AF65-F5344CB8AC3E}">
+        <p14:creationId xmlns:p14="http://schemas.microsoft.com/office/powerpoint/2010/main" val="3592076744"/>
+      </p:ext>
+    </p:extLst>
+  </p:cSld>
+  <p:clrMapOvr>
+    <a:masterClrMapping/>
+  </p:clrMapOvr>
+</p:sld>
+</file>
+
 <file path=ppt/theme/theme1.xml><?xml version="1.0" encoding="utf-8"?>
 <a:theme xmlns:a="http://schemas.openxmlformats.org/drawingml/2006/main" name="Ion">
   <a:themeElements>
